--- a/Chinook 2.0/ReadMe.pptx
+++ b/Chinook 2.0/ReadMe.pptx
@@ -270,7 +270,7 @@
           <a:p>
             <a:fld id="{F1CE8AA2-FFEA-4EF3-B49E-B4F9F344011D}" type="datetimeFigureOut">
               <a:rPr lang="en-CA" smtClean="0"/>
-              <a:t>2025-01-14</a:t>
+              <a:t>2025-01-15</a:t>
             </a:fld>
             <a:endParaRPr lang="en-CA"/>
           </a:p>
@@ -470,7 +470,7 @@
           <a:p>
             <a:fld id="{F1CE8AA2-FFEA-4EF3-B49E-B4F9F344011D}" type="datetimeFigureOut">
               <a:rPr lang="en-CA" smtClean="0"/>
-              <a:t>2025-01-14</a:t>
+              <a:t>2025-01-15</a:t>
             </a:fld>
             <a:endParaRPr lang="en-CA"/>
           </a:p>
@@ -680,7 +680,7 @@
           <a:p>
             <a:fld id="{F1CE8AA2-FFEA-4EF3-B49E-B4F9F344011D}" type="datetimeFigureOut">
               <a:rPr lang="en-CA" smtClean="0"/>
-              <a:t>2025-01-14</a:t>
+              <a:t>2025-01-15</a:t>
             </a:fld>
             <a:endParaRPr lang="en-CA"/>
           </a:p>
@@ -880,7 +880,7 @@
           <a:p>
             <a:fld id="{F1CE8AA2-FFEA-4EF3-B49E-B4F9F344011D}" type="datetimeFigureOut">
               <a:rPr lang="en-CA" smtClean="0"/>
-              <a:t>2025-01-14</a:t>
+              <a:t>2025-01-15</a:t>
             </a:fld>
             <a:endParaRPr lang="en-CA"/>
           </a:p>
@@ -1156,7 +1156,7 @@
           <a:p>
             <a:fld id="{F1CE8AA2-FFEA-4EF3-B49E-B4F9F344011D}" type="datetimeFigureOut">
               <a:rPr lang="en-CA" smtClean="0"/>
-              <a:t>2025-01-14</a:t>
+              <a:t>2025-01-15</a:t>
             </a:fld>
             <a:endParaRPr lang="en-CA"/>
           </a:p>
@@ -1424,7 +1424,7 @@
           <a:p>
             <a:fld id="{F1CE8AA2-FFEA-4EF3-B49E-B4F9F344011D}" type="datetimeFigureOut">
               <a:rPr lang="en-CA" smtClean="0"/>
-              <a:t>2025-01-14</a:t>
+              <a:t>2025-01-15</a:t>
             </a:fld>
             <a:endParaRPr lang="en-CA"/>
           </a:p>
@@ -1839,7 +1839,7 @@
           <a:p>
             <a:fld id="{F1CE8AA2-FFEA-4EF3-B49E-B4F9F344011D}" type="datetimeFigureOut">
               <a:rPr lang="en-CA" smtClean="0"/>
-              <a:t>2025-01-14</a:t>
+              <a:t>2025-01-15</a:t>
             </a:fld>
             <a:endParaRPr lang="en-CA"/>
           </a:p>
@@ -1981,7 +1981,7 @@
           <a:p>
             <a:fld id="{F1CE8AA2-FFEA-4EF3-B49E-B4F9F344011D}" type="datetimeFigureOut">
               <a:rPr lang="en-CA" smtClean="0"/>
-              <a:t>2025-01-14</a:t>
+              <a:t>2025-01-15</a:t>
             </a:fld>
             <a:endParaRPr lang="en-CA"/>
           </a:p>
@@ -2094,7 +2094,7 @@
           <a:p>
             <a:fld id="{F1CE8AA2-FFEA-4EF3-B49E-B4F9F344011D}" type="datetimeFigureOut">
               <a:rPr lang="en-CA" smtClean="0"/>
-              <a:t>2025-01-14</a:t>
+              <a:t>2025-01-15</a:t>
             </a:fld>
             <a:endParaRPr lang="en-CA"/>
           </a:p>
@@ -2407,7 +2407,7 @@
           <a:p>
             <a:fld id="{F1CE8AA2-FFEA-4EF3-B49E-B4F9F344011D}" type="datetimeFigureOut">
               <a:rPr lang="en-CA" smtClean="0"/>
-              <a:t>2025-01-14</a:t>
+              <a:t>2025-01-15</a:t>
             </a:fld>
             <a:endParaRPr lang="en-CA"/>
           </a:p>
@@ -2696,7 +2696,7 @@
           <a:p>
             <a:fld id="{F1CE8AA2-FFEA-4EF3-B49E-B4F9F344011D}" type="datetimeFigureOut">
               <a:rPr lang="en-CA" smtClean="0"/>
-              <a:t>2025-01-14</a:t>
+              <a:t>2025-01-15</a:t>
             </a:fld>
             <a:endParaRPr lang="en-CA"/>
           </a:p>
@@ -2939,7 +2939,7 @@
           <a:p>
             <a:fld id="{F1CE8AA2-FFEA-4EF3-B49E-B4F9F344011D}" type="datetimeFigureOut">
               <a:rPr lang="en-CA" smtClean="0"/>
-              <a:t>2025-01-14</a:t>
+              <a:t>2025-01-15</a:t>
             </a:fld>
             <a:endParaRPr lang="en-CA"/>
           </a:p>
@@ -7752,7 +7752,7 @@
         </p:nvSpPr>
         <p:spPr>
           <a:xfrm>
-            <a:off x="828675" y="730388"/>
+            <a:off x="828674" y="1674804"/>
             <a:ext cx="10534650" cy="817403"/>
           </a:xfrm>
         </p:spPr>
@@ -7813,8 +7813,51 @@
                 <a:latin typeface="+mj-lt"/>
                 <a:ea typeface="+mj-ea"/>
                 <a:cs typeface="+mj-cs"/>
+                <a:hlinkClick r:id="rId2"/>
               </a:rPr>
-              <a:t>https://github.com/Mantaj-Singh-Sandhu/Chinook.git</a:t>
+              <a:t>https://github.com/Mantaj-Singh-Sandhu/Chinook-2.0.git</a:t>
+            </a:r>
+            <a:br>
+              <a:rPr lang="en-US" sz="3600" kern="1200" dirty="0">
+                <a:solidFill>
+                  <a:schemeClr val="tx1"/>
+                </a:solidFill>
+                <a:latin typeface="+mj-lt"/>
+                <a:ea typeface="+mj-ea"/>
+                <a:cs typeface="+mj-cs"/>
+              </a:rPr>
+            </a:br>
+            <a:r>
+              <a:rPr lang="en-US" sz="3600" kern="1200" dirty="0">
+                <a:solidFill>
+                  <a:schemeClr val="tx1"/>
+                </a:solidFill>
+                <a:latin typeface="+mj-lt"/>
+                <a:ea typeface="+mj-ea"/>
+                <a:cs typeface="+mj-cs"/>
+              </a:rPr>
+              <a:t>or </a:t>
+            </a:r>
+            <a:br>
+              <a:rPr lang="en-US" sz="3600" kern="1200" dirty="0">
+                <a:solidFill>
+                  <a:schemeClr val="tx1"/>
+                </a:solidFill>
+                <a:latin typeface="+mj-lt"/>
+                <a:ea typeface="+mj-ea"/>
+                <a:cs typeface="+mj-cs"/>
+              </a:rPr>
+            </a:br>
+            <a:r>
+              <a:rPr lang="en-US" sz="3600" kern="1200" dirty="0">
+                <a:solidFill>
+                  <a:schemeClr val="tx1"/>
+                </a:solidFill>
+                <a:latin typeface="+mj-lt"/>
+                <a:ea typeface="+mj-ea"/>
+                <a:cs typeface="+mj-cs"/>
+              </a:rPr>
+              <a:t>Download Chinook 2.0.7z</a:t>
             </a:r>
           </a:p>
         </p:txBody>
@@ -7836,7 +7879,7 @@
           </p:nvPr>
         </p:nvPicPr>
         <p:blipFill>
-          <a:blip r:embed="rId2"/>
+          <a:blip r:embed="rId3"/>
           <a:stretch>
             <a:fillRect/>
           </a:stretch>
